--- a/GamePresentation.pptx
+++ b/GamePresentation.pptx
@@ -10,8 +10,9 @@
     <p:sldId id="274" r:id="rId4"/>
     <p:sldId id="275" r:id="rId5"/>
     <p:sldId id="276" r:id="rId6"/>
-    <p:sldId id="277" r:id="rId7"/>
-    <p:sldId id="278" r:id="rId8"/>
+    <p:sldId id="279" r:id="rId7"/>
+    <p:sldId id="277" r:id="rId8"/>
+    <p:sldId id="278" r:id="rId9"/>
   </p:sldIdLst>
   <p:sldSz cx="12192000" cy="6858000"/>
   <p:notesSz cx="6858000" cy="9144000"/>
@@ -267,7 +268,7 @@
           <a:p>
             <a:fld id="{FE88F5B2-AA0D-47F1-8BB3-6164771BB519}" type="datetimeFigureOut">
               <a:rPr lang="en-US" smtClean="0"/>
-              <a:t>2/4/2025</a:t>
+              <a:t>2/6/2025</a:t>
             </a:fld>
             <a:endParaRPr lang="en-US"/>
           </a:p>
@@ -467,7 +468,7 @@
           <a:p>
             <a:fld id="{FE88F5B2-AA0D-47F1-8BB3-6164771BB519}" type="datetimeFigureOut">
               <a:rPr lang="en-US" smtClean="0"/>
-              <a:t>2/4/2025</a:t>
+              <a:t>2/6/2025</a:t>
             </a:fld>
             <a:endParaRPr lang="en-US"/>
           </a:p>
@@ -677,7 +678,7 @@
           <a:p>
             <a:fld id="{FE88F5B2-AA0D-47F1-8BB3-6164771BB519}" type="datetimeFigureOut">
               <a:rPr lang="en-US" smtClean="0"/>
-              <a:t>2/4/2025</a:t>
+              <a:t>2/6/2025</a:t>
             </a:fld>
             <a:endParaRPr lang="en-US"/>
           </a:p>
@@ -877,7 +878,7 @@
           <a:p>
             <a:fld id="{FE88F5B2-AA0D-47F1-8BB3-6164771BB519}" type="datetimeFigureOut">
               <a:rPr lang="en-US" smtClean="0"/>
-              <a:t>2/4/2025</a:t>
+              <a:t>2/6/2025</a:t>
             </a:fld>
             <a:endParaRPr lang="en-US"/>
           </a:p>
@@ -1153,7 +1154,7 @@
           <a:p>
             <a:fld id="{FE88F5B2-AA0D-47F1-8BB3-6164771BB519}" type="datetimeFigureOut">
               <a:rPr lang="en-US" smtClean="0"/>
-              <a:t>2/4/2025</a:t>
+              <a:t>2/6/2025</a:t>
             </a:fld>
             <a:endParaRPr lang="en-US"/>
           </a:p>
@@ -1421,7 +1422,7 @@
           <a:p>
             <a:fld id="{FE88F5B2-AA0D-47F1-8BB3-6164771BB519}" type="datetimeFigureOut">
               <a:rPr lang="en-US" smtClean="0"/>
-              <a:t>2/4/2025</a:t>
+              <a:t>2/6/2025</a:t>
             </a:fld>
             <a:endParaRPr lang="en-US"/>
           </a:p>
@@ -1836,7 +1837,7 @@
           <a:p>
             <a:fld id="{FE88F5B2-AA0D-47F1-8BB3-6164771BB519}" type="datetimeFigureOut">
               <a:rPr lang="en-US" smtClean="0"/>
-              <a:t>2/4/2025</a:t>
+              <a:t>2/6/2025</a:t>
             </a:fld>
             <a:endParaRPr lang="en-US"/>
           </a:p>
@@ -1978,7 +1979,7 @@
           <a:p>
             <a:fld id="{FE88F5B2-AA0D-47F1-8BB3-6164771BB519}" type="datetimeFigureOut">
               <a:rPr lang="en-US" smtClean="0"/>
-              <a:t>2/4/2025</a:t>
+              <a:t>2/6/2025</a:t>
             </a:fld>
             <a:endParaRPr lang="en-US"/>
           </a:p>
@@ -2091,7 +2092,7 @@
           <a:p>
             <a:fld id="{FE88F5B2-AA0D-47F1-8BB3-6164771BB519}" type="datetimeFigureOut">
               <a:rPr lang="en-US" smtClean="0"/>
-              <a:t>2/4/2025</a:t>
+              <a:t>2/6/2025</a:t>
             </a:fld>
             <a:endParaRPr lang="en-US"/>
           </a:p>
@@ -2404,7 +2405,7 @@
           <a:p>
             <a:fld id="{FE88F5B2-AA0D-47F1-8BB3-6164771BB519}" type="datetimeFigureOut">
               <a:rPr lang="en-US" smtClean="0"/>
-              <a:t>2/4/2025</a:t>
+              <a:t>2/6/2025</a:t>
             </a:fld>
             <a:endParaRPr lang="en-US"/>
           </a:p>
@@ -2693,7 +2694,7 @@
           <a:p>
             <a:fld id="{FE88F5B2-AA0D-47F1-8BB3-6164771BB519}" type="datetimeFigureOut">
               <a:rPr lang="en-US" smtClean="0"/>
-              <a:t>2/4/2025</a:t>
+              <a:t>2/6/2025</a:t>
             </a:fld>
             <a:endParaRPr lang="en-US"/>
           </a:p>
@@ -2936,7 +2937,7 @@
           <a:p>
             <a:fld id="{FE88F5B2-AA0D-47F1-8BB3-6164771BB519}" type="datetimeFigureOut">
               <a:rPr lang="en-US" smtClean="0"/>
-              <a:t>2/4/2025</a:t>
+              <a:t>2/6/2025</a:t>
             </a:fld>
             <a:endParaRPr lang="en-US"/>
           </a:p>
@@ -5222,7 +5223,7 @@
                 <a:latin typeface="Arial" panose="020B0604020202020204" pitchFamily="34" charset="0"/>
                 <a:cs typeface="Arial" panose="020B0604020202020204" pitchFamily="34" charset="0"/>
               </a:rPr>
-              <a:t>Игровой процесс</a:t>
+              <a:t>Используемые библиотеки</a:t>
             </a:r>
           </a:p>
         </p:txBody>
@@ -5284,154 +5285,87 @@
           </a:p>
         </p:txBody>
       </p:sp>
-      <p:pic>
-        <p:nvPicPr>
-          <p:cNvPr id="16" name="Рисунок 15">
-            <a:extLst>
-              <a:ext uri="{FF2B5EF4-FFF2-40B4-BE49-F238E27FC236}">
-                <a16:creationId xmlns:a16="http://schemas.microsoft.com/office/drawing/2014/main" id="{85666FA2-15F2-4A3F-93B0-9B163509BF27}"/>
-              </a:ext>
-            </a:extLst>
-          </p:cNvPr>
-          <p:cNvPicPr>
-            <a:picLocks noChangeAspect="1"/>
-          </p:cNvPicPr>
+      <p:sp>
+        <p:nvSpPr>
+          <p:cNvPr id="6" name="TextBox 5">
+            <a:extLst>
+              <a:ext uri="{FF2B5EF4-FFF2-40B4-BE49-F238E27FC236}">
+                <a16:creationId xmlns:a16="http://schemas.microsoft.com/office/drawing/2014/main" id="{E05276C5-2302-4413-A095-07B1FBC9098D}"/>
+              </a:ext>
+            </a:extLst>
+          </p:cNvPr>
+          <p:cNvSpPr txBox="1"/>
           <p:nvPr/>
-        </p:nvPicPr>
-        <p:blipFill>
-          <a:blip r:embed="rId2">
-            <a:extLst>
-              <a:ext uri="{28A0092B-C50C-407E-A947-70E740481C1C}">
-                <a14:useLocalDpi xmlns:a14="http://schemas.microsoft.com/office/drawing/2010/main" val="0"/>
-              </a:ext>
-            </a:extLst>
-          </a:blip>
-          <a:stretch>
-            <a:fillRect/>
-          </a:stretch>
-        </p:blipFill>
-        <p:spPr>
-          <a:xfrm>
-            <a:off x="3214953" y="3836680"/>
-            <a:ext cx="2193046" cy="2351753"/>
+        </p:nvSpPr>
+        <p:spPr>
+          <a:xfrm>
+            <a:off x="432546" y="1054847"/>
+            <a:ext cx="9148483" cy="2400657"/>
           </a:xfrm>
           <a:prstGeom prst="rect">
             <a:avLst/>
           </a:prstGeom>
-        </p:spPr>
-      </p:pic>
-      <p:pic>
-        <p:nvPicPr>
-          <p:cNvPr id="6" name="Рисунок 5">
-            <a:extLst>
-              <a:ext uri="{FF2B5EF4-FFF2-40B4-BE49-F238E27FC236}">
-                <a16:creationId xmlns:a16="http://schemas.microsoft.com/office/drawing/2014/main" id="{2C3A0F1C-F68A-4834-AB23-BDF2F6583DDD}"/>
-              </a:ext>
-            </a:extLst>
-          </p:cNvPr>
-          <p:cNvPicPr>
-            <a:picLocks noChangeAspect="1"/>
-          </p:cNvPicPr>
-          <p:nvPr/>
-        </p:nvPicPr>
-        <p:blipFill>
-          <a:blip r:embed="rId3">
-            <a:extLst>
-              <a:ext uri="{28A0092B-C50C-407E-A947-70E740481C1C}">
-                <a14:useLocalDpi xmlns:a14="http://schemas.microsoft.com/office/drawing/2010/main" val="0"/>
-              </a:ext>
-            </a:extLst>
-          </a:blip>
-          <a:stretch>
-            <a:fillRect/>
-          </a:stretch>
-        </p:blipFill>
-        <p:spPr>
-          <a:xfrm>
-            <a:off x="510988" y="1397831"/>
-            <a:ext cx="2408129" cy="2263336"/>
-          </a:xfrm>
-          <a:prstGeom prst="rect">
-            <a:avLst/>
-          </a:prstGeom>
-        </p:spPr>
-      </p:pic>
-      <p:pic>
-        <p:nvPicPr>
-          <p:cNvPr id="17" name="Рисунок 16">
-            <a:extLst>
-              <a:ext uri="{FF2B5EF4-FFF2-40B4-BE49-F238E27FC236}">
-                <a16:creationId xmlns:a16="http://schemas.microsoft.com/office/drawing/2014/main" id="{30FA68FB-C426-4F52-81FF-E39A35693C2B}"/>
-              </a:ext>
-            </a:extLst>
-          </p:cNvPr>
-          <p:cNvPicPr>
-            <a:picLocks noChangeAspect="1"/>
-          </p:cNvPicPr>
-          <p:nvPr/>
-        </p:nvPicPr>
-        <p:blipFill>
-          <a:blip r:embed="rId4">
-            <a:extLst>
-              <a:ext uri="{28A0092B-C50C-407E-A947-70E740481C1C}">
-                <a14:useLocalDpi xmlns:a14="http://schemas.microsoft.com/office/drawing/2010/main" val="0"/>
-              </a:ext>
-            </a:extLst>
-          </a:blip>
-          <a:stretch>
-            <a:fillRect/>
-          </a:stretch>
-        </p:blipFill>
-        <p:spPr>
-          <a:xfrm>
-            <a:off x="3214953" y="1397831"/>
-            <a:ext cx="2193046" cy="2263336"/>
-          </a:xfrm>
-          <a:prstGeom prst="rect">
-            <a:avLst/>
-          </a:prstGeom>
-        </p:spPr>
-      </p:pic>
-      <p:pic>
-        <p:nvPicPr>
-          <p:cNvPr id="19" name="Рисунок 18">
-            <a:extLst>
-              <a:ext uri="{FF2B5EF4-FFF2-40B4-BE49-F238E27FC236}">
-                <a16:creationId xmlns:a16="http://schemas.microsoft.com/office/drawing/2014/main" id="{B8E0BA98-1211-4360-9EBA-1C6803A7D01D}"/>
-              </a:ext>
-            </a:extLst>
-          </p:cNvPr>
-          <p:cNvPicPr>
-            <a:picLocks noChangeAspect="1"/>
-          </p:cNvPicPr>
-          <p:nvPr/>
-        </p:nvPicPr>
-        <p:blipFill>
-          <a:blip r:embed="rId5">
-            <a:extLst>
-              <a:ext uri="{28A0092B-C50C-407E-A947-70E740481C1C}">
-                <a14:useLocalDpi xmlns:a14="http://schemas.microsoft.com/office/drawing/2010/main" val="0"/>
-              </a:ext>
-            </a:extLst>
-          </a:blip>
-          <a:stretch>
-            <a:fillRect/>
-          </a:stretch>
-        </p:blipFill>
-        <p:spPr>
-          <a:xfrm>
-            <a:off x="5703835" y="1413677"/>
-            <a:ext cx="2140462" cy="2243369"/>
-          </a:xfrm>
-          <a:prstGeom prst="rect">
-            <a:avLst/>
-          </a:prstGeom>
-        </p:spPr>
-      </p:pic>
+          <a:noFill/>
+        </p:spPr>
+        <p:txBody>
+          <a:bodyPr wrap="square" rtlCol="0">
+            <a:spAutoFit/>
+          </a:bodyPr>
+          <a:lstStyle/>
+          <a:p>
+            <a:r>
+              <a:rPr lang="ru-RU" sz="3000">
+                <a:latin typeface="Arial" panose="020B0604020202020204" pitchFamily="34" charset="0"/>
+                <a:cs typeface="Arial" panose="020B0604020202020204" pitchFamily="34" charset="0"/>
+              </a:rPr>
+              <a:t>Для создания игры использовались всего две библиотеки</a:t>
+            </a:r>
+            <a:r>
+              <a:rPr lang="en-US" sz="3000">
+                <a:latin typeface="Arial" panose="020B0604020202020204" pitchFamily="34" charset="0"/>
+                <a:cs typeface="Arial" panose="020B0604020202020204" pitchFamily="34" charset="0"/>
+              </a:rPr>
+              <a:t>:</a:t>
+            </a:r>
+          </a:p>
+          <a:p>
+            <a:pPr marL="457200" indent="-457200">
+              <a:buFont typeface="Arial" panose="020B0604020202020204" pitchFamily="34" charset="0"/>
+              <a:buChar char="•"/>
+            </a:pPr>
+            <a:r>
+              <a:rPr lang="en-US" sz="3000" b="1">
+                <a:latin typeface="Arial" panose="020B0604020202020204" pitchFamily="34" charset="0"/>
+                <a:cs typeface="Arial" panose="020B0604020202020204" pitchFamily="34" charset="0"/>
+              </a:rPr>
+              <a:t>pygame</a:t>
+            </a:r>
+          </a:p>
+          <a:p>
+            <a:pPr marL="457200" indent="-457200">
+              <a:buFont typeface="Arial" panose="020B0604020202020204" pitchFamily="34" charset="0"/>
+              <a:buChar char="•"/>
+            </a:pPr>
+            <a:r>
+              <a:rPr lang="en-US" sz="3000" b="1">
+                <a:latin typeface="Arial" panose="020B0604020202020204" pitchFamily="34" charset="0"/>
+                <a:cs typeface="Arial" panose="020B0604020202020204" pitchFamily="34" charset="0"/>
+              </a:rPr>
+              <a:t>pytmx</a:t>
+            </a:r>
+          </a:p>
+          <a:p>
+            <a:endParaRPr lang="en-US" sz="3000">
+              <a:latin typeface="Arial" panose="020B0604020202020204" pitchFamily="34" charset="0"/>
+              <a:cs typeface="Arial" panose="020B0604020202020204" pitchFamily="34" charset="0"/>
+            </a:endParaRPr>
+          </a:p>
+        </p:txBody>
+      </p:sp>
     </p:spTree>
     <p:extLst>
       <p:ext uri="{BB962C8B-B14F-4D97-AF65-F5344CB8AC3E}">
-        <p14:creationId xmlns:p14="http://schemas.microsoft.com/office/powerpoint/2010/main" val="3067145360"/>
+        <p14:creationId xmlns:p14="http://schemas.microsoft.com/office/powerpoint/2010/main" val="3017630327"/>
       </p:ext>
     </p:extLst>
   </p:cSld>
@@ -5515,6 +5449,358 @@
                 <a:cs typeface="Arial" panose="020B0604020202020204" pitchFamily="34" charset="0"/>
               </a:rPr>
               <a:t>6</a:t>
+            </a:r>
+          </a:p>
+        </p:txBody>
+      </p:sp>
+      <p:sp>
+        <p:nvSpPr>
+          <p:cNvPr id="8" name="Прямоугольник 7">
+            <a:extLst>
+              <a:ext uri="{FF2B5EF4-FFF2-40B4-BE49-F238E27FC236}">
+                <a16:creationId xmlns:a16="http://schemas.microsoft.com/office/drawing/2014/main" id="{B6F9969C-07D0-42A0-847F-6C82A0D2C2FE}"/>
+              </a:ext>
+            </a:extLst>
+          </p:cNvPr>
+          <p:cNvSpPr/>
+          <p:nvPr/>
+        </p:nvSpPr>
+        <p:spPr>
+          <a:xfrm>
+            <a:off x="1075766" y="277844"/>
+            <a:ext cx="8722658" cy="591672"/>
+          </a:xfrm>
+          <a:prstGeom prst="rect">
+            <a:avLst/>
+          </a:prstGeom>
+          <a:solidFill>
+            <a:srgbClr val="8CD6AD"/>
+          </a:solidFill>
+          <a:ln>
+            <a:noFill/>
+          </a:ln>
+        </p:spPr>
+        <p:style>
+          <a:lnRef idx="2">
+            <a:schemeClr val="accent1">
+              <a:shade val="50000"/>
+            </a:schemeClr>
+          </a:lnRef>
+          <a:fillRef idx="1">
+            <a:schemeClr val="accent1"/>
+          </a:fillRef>
+          <a:effectRef idx="0">
+            <a:schemeClr val="accent1"/>
+          </a:effectRef>
+          <a:fontRef idx="minor">
+            <a:schemeClr val="lt1"/>
+          </a:fontRef>
+        </p:style>
+        <p:txBody>
+          <a:bodyPr rtlCol="0" anchor="ctr"/>
+          <a:lstStyle/>
+          <a:p>
+            <a:r>
+              <a:rPr lang="ru-RU" sz="3000" b="1">
+                <a:solidFill>
+                  <a:schemeClr val="tx1"/>
+                </a:solidFill>
+                <a:latin typeface="Arial" panose="020B0604020202020204" pitchFamily="34" charset="0"/>
+                <a:cs typeface="Arial" panose="020B0604020202020204" pitchFamily="34" charset="0"/>
+              </a:rPr>
+              <a:t>Игровой процесс</a:t>
+            </a:r>
+          </a:p>
+        </p:txBody>
+      </p:sp>
+      <p:sp>
+        <p:nvSpPr>
+          <p:cNvPr id="9" name="Прямоугольник 8">
+            <a:extLst>
+              <a:ext uri="{FF2B5EF4-FFF2-40B4-BE49-F238E27FC236}">
+                <a16:creationId xmlns:a16="http://schemas.microsoft.com/office/drawing/2014/main" id="{7BFD0A97-D2B9-444E-9F27-B40FBCB7E85D}"/>
+              </a:ext>
+            </a:extLst>
+          </p:cNvPr>
+          <p:cNvSpPr/>
+          <p:nvPr/>
+        </p:nvSpPr>
+        <p:spPr>
+          <a:xfrm>
+            <a:off x="215152" y="1045029"/>
+            <a:ext cx="9583272" cy="5535127"/>
+          </a:xfrm>
+          <a:prstGeom prst="rect">
+            <a:avLst/>
+          </a:prstGeom>
+          <a:solidFill>
+            <a:srgbClr val="8CD6AD"/>
+          </a:solidFill>
+          <a:ln>
+            <a:noFill/>
+          </a:ln>
+        </p:spPr>
+        <p:style>
+          <a:lnRef idx="2">
+            <a:schemeClr val="accent1">
+              <a:shade val="50000"/>
+            </a:schemeClr>
+          </a:lnRef>
+          <a:fillRef idx="1">
+            <a:schemeClr val="accent1"/>
+          </a:fillRef>
+          <a:effectRef idx="0">
+            <a:schemeClr val="accent1"/>
+          </a:effectRef>
+          <a:fontRef idx="minor">
+            <a:schemeClr val="lt1"/>
+          </a:fontRef>
+        </p:style>
+        <p:txBody>
+          <a:bodyPr rtlCol="0" anchor="ctr"/>
+          <a:lstStyle/>
+          <a:p>
+            <a:endParaRPr lang="en-US" sz="3000" b="1">
+              <a:solidFill>
+                <a:schemeClr val="tx1"/>
+              </a:solidFill>
+              <a:latin typeface="Arial" panose="020B0604020202020204" pitchFamily="34" charset="0"/>
+              <a:cs typeface="Arial" panose="020B0604020202020204" pitchFamily="34" charset="0"/>
+            </a:endParaRPr>
+          </a:p>
+        </p:txBody>
+      </p:sp>
+      <p:pic>
+        <p:nvPicPr>
+          <p:cNvPr id="16" name="Рисунок 15">
+            <a:extLst>
+              <a:ext uri="{FF2B5EF4-FFF2-40B4-BE49-F238E27FC236}">
+                <a16:creationId xmlns:a16="http://schemas.microsoft.com/office/drawing/2014/main" id="{85666FA2-15F2-4A3F-93B0-9B163509BF27}"/>
+              </a:ext>
+            </a:extLst>
+          </p:cNvPr>
+          <p:cNvPicPr>
+            <a:picLocks noChangeAspect="1"/>
+          </p:cNvPicPr>
+          <p:nvPr/>
+        </p:nvPicPr>
+        <p:blipFill>
+          <a:blip r:embed="rId2">
+            <a:extLst>
+              <a:ext uri="{28A0092B-C50C-407E-A947-70E740481C1C}">
+                <a14:useLocalDpi xmlns:a14="http://schemas.microsoft.com/office/drawing/2010/main" val="0"/>
+              </a:ext>
+            </a:extLst>
+          </a:blip>
+          <a:stretch>
+            <a:fillRect/>
+          </a:stretch>
+        </p:blipFill>
+        <p:spPr>
+          <a:xfrm>
+            <a:off x="3214953" y="3836680"/>
+            <a:ext cx="2193046" cy="2351753"/>
+          </a:xfrm>
+          <a:prstGeom prst="rect">
+            <a:avLst/>
+          </a:prstGeom>
+        </p:spPr>
+      </p:pic>
+      <p:pic>
+        <p:nvPicPr>
+          <p:cNvPr id="6" name="Рисунок 5">
+            <a:extLst>
+              <a:ext uri="{FF2B5EF4-FFF2-40B4-BE49-F238E27FC236}">
+                <a16:creationId xmlns:a16="http://schemas.microsoft.com/office/drawing/2014/main" id="{2C3A0F1C-F68A-4834-AB23-BDF2F6583DDD}"/>
+              </a:ext>
+            </a:extLst>
+          </p:cNvPr>
+          <p:cNvPicPr>
+            <a:picLocks noChangeAspect="1"/>
+          </p:cNvPicPr>
+          <p:nvPr/>
+        </p:nvPicPr>
+        <p:blipFill>
+          <a:blip r:embed="rId3">
+            <a:extLst>
+              <a:ext uri="{28A0092B-C50C-407E-A947-70E740481C1C}">
+                <a14:useLocalDpi xmlns:a14="http://schemas.microsoft.com/office/drawing/2010/main" val="0"/>
+              </a:ext>
+            </a:extLst>
+          </a:blip>
+          <a:stretch>
+            <a:fillRect/>
+          </a:stretch>
+        </p:blipFill>
+        <p:spPr>
+          <a:xfrm>
+            <a:off x="510988" y="1397831"/>
+            <a:ext cx="2408129" cy="2263336"/>
+          </a:xfrm>
+          <a:prstGeom prst="rect">
+            <a:avLst/>
+          </a:prstGeom>
+        </p:spPr>
+      </p:pic>
+      <p:pic>
+        <p:nvPicPr>
+          <p:cNvPr id="17" name="Рисунок 16">
+            <a:extLst>
+              <a:ext uri="{FF2B5EF4-FFF2-40B4-BE49-F238E27FC236}">
+                <a16:creationId xmlns:a16="http://schemas.microsoft.com/office/drawing/2014/main" id="{30FA68FB-C426-4F52-81FF-E39A35693C2B}"/>
+              </a:ext>
+            </a:extLst>
+          </p:cNvPr>
+          <p:cNvPicPr>
+            <a:picLocks noChangeAspect="1"/>
+          </p:cNvPicPr>
+          <p:nvPr/>
+        </p:nvPicPr>
+        <p:blipFill>
+          <a:blip r:embed="rId4">
+            <a:extLst>
+              <a:ext uri="{28A0092B-C50C-407E-A947-70E740481C1C}">
+                <a14:useLocalDpi xmlns:a14="http://schemas.microsoft.com/office/drawing/2010/main" val="0"/>
+              </a:ext>
+            </a:extLst>
+          </a:blip>
+          <a:stretch>
+            <a:fillRect/>
+          </a:stretch>
+        </p:blipFill>
+        <p:spPr>
+          <a:xfrm>
+            <a:off x="3214953" y="1397831"/>
+            <a:ext cx="2193046" cy="2263336"/>
+          </a:xfrm>
+          <a:prstGeom prst="rect">
+            <a:avLst/>
+          </a:prstGeom>
+        </p:spPr>
+      </p:pic>
+      <p:pic>
+        <p:nvPicPr>
+          <p:cNvPr id="19" name="Рисунок 18">
+            <a:extLst>
+              <a:ext uri="{FF2B5EF4-FFF2-40B4-BE49-F238E27FC236}">
+                <a16:creationId xmlns:a16="http://schemas.microsoft.com/office/drawing/2014/main" id="{B8E0BA98-1211-4360-9EBA-1C6803A7D01D}"/>
+              </a:ext>
+            </a:extLst>
+          </p:cNvPr>
+          <p:cNvPicPr>
+            <a:picLocks noChangeAspect="1"/>
+          </p:cNvPicPr>
+          <p:nvPr/>
+        </p:nvPicPr>
+        <p:blipFill>
+          <a:blip r:embed="rId5">
+            <a:extLst>
+              <a:ext uri="{28A0092B-C50C-407E-A947-70E740481C1C}">
+                <a14:useLocalDpi xmlns:a14="http://schemas.microsoft.com/office/drawing/2010/main" val="0"/>
+              </a:ext>
+            </a:extLst>
+          </a:blip>
+          <a:stretch>
+            <a:fillRect/>
+          </a:stretch>
+        </p:blipFill>
+        <p:spPr>
+          <a:xfrm>
+            <a:off x="5703835" y="1413677"/>
+            <a:ext cx="2140462" cy="2243369"/>
+          </a:xfrm>
+          <a:prstGeom prst="rect">
+            <a:avLst/>
+          </a:prstGeom>
+        </p:spPr>
+      </p:pic>
+    </p:spTree>
+    <p:extLst>
+      <p:ext uri="{BB962C8B-B14F-4D97-AF65-F5344CB8AC3E}">
+        <p14:creationId xmlns:p14="http://schemas.microsoft.com/office/powerpoint/2010/main" val="3067145360"/>
+      </p:ext>
+    </p:extLst>
+  </p:cSld>
+  <p:clrMapOvr>
+    <a:masterClrMapping/>
+  </p:clrMapOvr>
+</p:sld>
+</file>
+
+<file path=ppt/slides/slide8.xml><?xml version="1.0" encoding="utf-8"?>
+<p:sld xmlns:a="http://schemas.openxmlformats.org/drawingml/2006/main" xmlns:r="http://schemas.openxmlformats.org/officeDocument/2006/relationships" xmlns:p="http://schemas.openxmlformats.org/presentationml/2006/main">
+  <p:cSld>
+    <p:spTree>
+      <p:nvGrpSpPr>
+        <p:cNvPr id="1" name=""/>
+        <p:cNvGrpSpPr/>
+        <p:nvPr/>
+      </p:nvGrpSpPr>
+      <p:grpSpPr>
+        <a:xfrm>
+          <a:off x="0" y="0"/>
+          <a:ext cx="0" cy="0"/>
+          <a:chOff x="0" y="0"/>
+          <a:chExt cx="0" cy="0"/>
+        </a:xfrm>
+      </p:grpSpPr>
+      <p:sp>
+        <p:nvSpPr>
+          <p:cNvPr id="3" name="Прямоугольник 2">
+            <a:extLst>
+              <a:ext uri="{FF2B5EF4-FFF2-40B4-BE49-F238E27FC236}">
+                <a16:creationId xmlns:a16="http://schemas.microsoft.com/office/drawing/2014/main" id="{E730709E-BA21-43C2-A549-BCBB2E739AD8}"/>
+              </a:ext>
+            </a:extLst>
+          </p:cNvPr>
+          <p:cNvSpPr/>
+          <p:nvPr/>
+        </p:nvSpPr>
+        <p:spPr>
+          <a:xfrm>
+            <a:off x="215152" y="273422"/>
+            <a:ext cx="591672" cy="591672"/>
+          </a:xfrm>
+          <a:prstGeom prst="rect">
+            <a:avLst/>
+          </a:prstGeom>
+          <a:solidFill>
+            <a:srgbClr val="8CD6AD"/>
+          </a:solidFill>
+          <a:ln>
+            <a:noFill/>
+          </a:ln>
+        </p:spPr>
+        <p:style>
+          <a:lnRef idx="2">
+            <a:schemeClr val="accent1">
+              <a:shade val="50000"/>
+            </a:schemeClr>
+          </a:lnRef>
+          <a:fillRef idx="1">
+            <a:schemeClr val="accent1"/>
+          </a:fillRef>
+          <a:effectRef idx="0">
+            <a:schemeClr val="accent1"/>
+          </a:effectRef>
+          <a:fontRef idx="minor">
+            <a:schemeClr val="lt1"/>
+          </a:fontRef>
+        </p:style>
+        <p:txBody>
+          <a:bodyPr rtlCol="0" anchor="ctr"/>
+          <a:lstStyle/>
+          <a:p>
+            <a:pPr algn="ctr"/>
+            <a:r>
+              <a:rPr lang="en-US" sz="3000" b="1">
+                <a:solidFill>
+                  <a:schemeClr val="tx1"/>
+                </a:solidFill>
+                <a:latin typeface="Arial" panose="020B0604020202020204" pitchFamily="34" charset="0"/>
+                <a:cs typeface="Arial" panose="020B0604020202020204" pitchFamily="34" charset="0"/>
+              </a:rPr>
+              <a:t>7</a:t>
             </a:r>
           </a:p>
         </p:txBody>
